--- a/EtherCATメモ.pptx
+++ b/EtherCATメモ.pptx
@@ -10,9 +10,10 @@
     <p:sldId id="257" r:id="rId4"/>
     <p:sldId id="262" r:id="rId5"/>
     <p:sldId id="258" r:id="rId6"/>
-    <p:sldId id="261" r:id="rId7"/>
-    <p:sldId id="259" r:id="rId8"/>
-    <p:sldId id="264" r:id="rId9"/>
+    <p:sldId id="265" r:id="rId7"/>
+    <p:sldId id="261" r:id="rId8"/>
+    <p:sldId id="259" r:id="rId9"/>
+    <p:sldId id="264" r:id="rId10"/>
   </p:sldIdLst>
   <p:sldSz cx="12192000" cy="6858000"/>
   <p:notesSz cx="6858000" cy="9144000"/>
@@ -122,7 +123,7 @@
 <file path=ppt/revisionInfo.xml><?xml version="1.0" encoding="utf-8"?>
 <p1510:revInfo xmlns:a="http://schemas.openxmlformats.org/drawingml/2006/main" xmlns:r="http://schemas.openxmlformats.org/officeDocument/2006/relationships" xmlns:p1510="http://schemas.microsoft.com/office/powerpoint/2015/10/main">
   <p1510:revLst>
-    <p1510:client id="{1BFD3253-96EC-4F73-A8CB-FAB7952F0655}" v="43" dt="2024-06-20T11:59:16.926"/>
+    <p1510:client id="{1BFD3253-96EC-4F73-A8CB-FAB7952F0655}" v="49" dt="2024-06-24T08:07:28.328"/>
   </p1510:revLst>
 </p1510:revInfo>
 </file>
@@ -132,7 +133,7 @@
   <pc:docChgLst>
     <pc:chgData name="Takemura, Yuuki/竹村 裕紀" userId="7f3bdf46-744d-4a3d-8b77-1a6761aa5efe" providerId="ADAL" clId="{1BFD3253-96EC-4F73-A8CB-FAB7952F0655}"/>
     <pc:docChg chg="undo custSel addSld delSld modSld">
-      <pc:chgData name="Takemura, Yuuki/竹村 裕紀" userId="7f3bdf46-744d-4a3d-8b77-1a6761aa5efe" providerId="ADAL" clId="{1BFD3253-96EC-4F73-A8CB-FAB7952F0655}" dt="2024-06-20T12:01:20.519" v="1554" actId="20577"/>
+      <pc:chgData name="Takemura, Yuuki/竹村 裕紀" userId="7f3bdf46-744d-4a3d-8b77-1a6761aa5efe" providerId="ADAL" clId="{1BFD3253-96EC-4F73-A8CB-FAB7952F0655}" dt="2024-06-24T09:14:39.062" v="1568" actId="478"/>
       <pc:docMkLst>
         <pc:docMk/>
       </pc:docMkLst>
@@ -628,7 +629,7 @@
         </pc:spChg>
       </pc:sldChg>
       <pc:sldChg chg="addSp delSp modSp new mod">
-        <pc:chgData name="Takemura, Yuuki/竹村 裕紀" userId="7f3bdf46-744d-4a3d-8b77-1a6761aa5efe" providerId="ADAL" clId="{1BFD3253-96EC-4F73-A8CB-FAB7952F0655}" dt="2024-06-19T12:16:12.268" v="1161" actId="20577"/>
+        <pc:chgData name="Takemura, Yuuki/竹村 裕紀" userId="7f3bdf46-744d-4a3d-8b77-1a6761aa5efe" providerId="ADAL" clId="{1BFD3253-96EC-4F73-A8CB-FAB7952F0655}" dt="2024-06-24T08:58:34.281" v="1567" actId="1036"/>
         <pc:sldMkLst>
           <pc:docMk/>
           <pc:sldMk cId="3831296501" sldId="261"/>
@@ -690,7 +691,7 @@
           </ac:picMkLst>
         </pc:picChg>
         <pc:picChg chg="add mod ord">
-          <ac:chgData name="Takemura, Yuuki/竹村 裕紀" userId="7f3bdf46-744d-4a3d-8b77-1a6761aa5efe" providerId="ADAL" clId="{1BFD3253-96EC-4F73-A8CB-FAB7952F0655}" dt="2024-06-19T11:52:14.499" v="850" actId="1076"/>
+          <ac:chgData name="Takemura, Yuuki/竹村 裕紀" userId="7f3bdf46-744d-4a3d-8b77-1a6761aa5efe" providerId="ADAL" clId="{1BFD3253-96EC-4F73-A8CB-FAB7952F0655}" dt="2024-06-24T08:58:34.281" v="1567" actId="1036"/>
           <ac:picMkLst>
             <pc:docMk/>
             <pc:sldMk cId="3831296501" sldId="261"/>
@@ -1014,6 +1015,37 @@
           <pc:sldMk cId="1192022605" sldId="265"/>
         </pc:sldMkLst>
       </pc:sldChg>
+      <pc:sldChg chg="addSp delSp modSp new mod">
+        <pc:chgData name="Takemura, Yuuki/竹村 裕紀" userId="7f3bdf46-744d-4a3d-8b77-1a6761aa5efe" providerId="ADAL" clId="{1BFD3253-96EC-4F73-A8CB-FAB7952F0655}" dt="2024-06-24T09:14:39.062" v="1568" actId="478"/>
+        <pc:sldMkLst>
+          <pc:docMk/>
+          <pc:sldMk cId="1437063091" sldId="265"/>
+        </pc:sldMkLst>
+        <pc:spChg chg="del">
+          <ac:chgData name="Takemura, Yuuki/竹村 裕紀" userId="7f3bdf46-744d-4a3d-8b77-1a6761aa5efe" providerId="ADAL" clId="{1BFD3253-96EC-4F73-A8CB-FAB7952F0655}" dt="2024-06-24T08:02:29.217" v="1556"/>
+          <ac:spMkLst>
+            <pc:docMk/>
+            <pc:sldMk cId="1437063091" sldId="265"/>
+            <ac:spMk id="3" creationId="{51385D66-2F3C-3983-267A-617482EBB9A0}"/>
+          </ac:spMkLst>
+        </pc:spChg>
+        <pc:graphicFrameChg chg="add del mod modGraphic">
+          <ac:chgData name="Takemura, Yuuki/竹村 裕紀" userId="7f3bdf46-744d-4a3d-8b77-1a6761aa5efe" providerId="ADAL" clId="{1BFD3253-96EC-4F73-A8CB-FAB7952F0655}" dt="2024-06-24T09:14:39.062" v="1568" actId="478"/>
+          <ac:graphicFrameMkLst>
+            <pc:docMk/>
+            <pc:sldMk cId="1437063091" sldId="265"/>
+            <ac:graphicFrameMk id="5" creationId="{11B001E0-8879-392F-D4FF-04B8EFCC5679}"/>
+          </ac:graphicFrameMkLst>
+        </pc:graphicFrameChg>
+        <pc:picChg chg="add mod">
+          <ac:chgData name="Takemura, Yuuki/竹村 裕紀" userId="7f3bdf46-744d-4a3d-8b77-1a6761aa5efe" providerId="ADAL" clId="{1BFD3253-96EC-4F73-A8CB-FAB7952F0655}" dt="2024-06-24T08:03:01.986" v="1558" actId="1076"/>
+          <ac:picMkLst>
+            <pc:docMk/>
+            <pc:sldMk cId="1437063091" sldId="265"/>
+            <ac:picMk id="4" creationId="{5B6641EE-597F-E1E7-3F87-D6045E8088AE}"/>
+          </ac:picMkLst>
+        </pc:picChg>
+      </pc:sldChg>
     </pc:docChg>
   </pc:docChgLst>
 </pc:chgInfo>
@@ -1166,7 +1198,7 @@
           <a:p>
             <a:fld id="{A9CC78A6-2670-4AF4-B079-3D9B76D2065A}" type="datetimeFigureOut">
               <a:rPr kumimoji="1" lang="ja-JP" altLang="en-US" smtClean="0"/>
-              <a:t>2024/6/20</a:t>
+              <a:t>2024/6/24</a:t>
             </a:fld>
             <a:endParaRPr kumimoji="1" lang="ja-JP" altLang="en-US"/>
           </a:p>
@@ -1396,7 +1428,7 @@
           <a:p>
             <a:fld id="{A9CC78A6-2670-4AF4-B079-3D9B76D2065A}" type="datetimeFigureOut">
               <a:rPr kumimoji="1" lang="ja-JP" altLang="en-US" smtClean="0"/>
-              <a:t>2024/6/20</a:t>
+              <a:t>2024/6/24</a:t>
             </a:fld>
             <a:endParaRPr kumimoji="1" lang="ja-JP" altLang="en-US"/>
           </a:p>
@@ -1636,7 +1668,7 @@
           <a:p>
             <a:fld id="{A9CC78A6-2670-4AF4-B079-3D9B76D2065A}" type="datetimeFigureOut">
               <a:rPr kumimoji="1" lang="ja-JP" altLang="en-US" smtClean="0"/>
-              <a:t>2024/6/20</a:t>
+              <a:t>2024/6/24</a:t>
             </a:fld>
             <a:endParaRPr kumimoji="1" lang="ja-JP" altLang="en-US"/>
           </a:p>
@@ -1866,7 +1898,7 @@
           <a:p>
             <a:fld id="{A9CC78A6-2670-4AF4-B079-3D9B76D2065A}" type="datetimeFigureOut">
               <a:rPr kumimoji="1" lang="ja-JP" altLang="en-US" smtClean="0"/>
-              <a:t>2024/6/20</a:t>
+              <a:t>2024/6/24</a:t>
             </a:fld>
             <a:endParaRPr kumimoji="1" lang="ja-JP" altLang="en-US"/>
           </a:p>
@@ -2141,7 +2173,7 @@
           <a:p>
             <a:fld id="{A9CC78A6-2670-4AF4-B079-3D9B76D2065A}" type="datetimeFigureOut">
               <a:rPr kumimoji="1" lang="ja-JP" altLang="en-US" smtClean="0"/>
-              <a:t>2024/6/20</a:t>
+              <a:t>2024/6/24</a:t>
             </a:fld>
             <a:endParaRPr kumimoji="1" lang="ja-JP" altLang="en-US"/>
           </a:p>
@@ -2470,7 +2502,7 @@
           <a:p>
             <a:fld id="{A9CC78A6-2670-4AF4-B079-3D9B76D2065A}" type="datetimeFigureOut">
               <a:rPr kumimoji="1" lang="ja-JP" altLang="en-US" smtClean="0"/>
-              <a:t>2024/6/20</a:t>
+              <a:t>2024/6/24</a:t>
             </a:fld>
             <a:endParaRPr kumimoji="1" lang="ja-JP" altLang="en-US"/>
           </a:p>
@@ -2946,7 +2978,7 @@
           <a:p>
             <a:fld id="{A9CC78A6-2670-4AF4-B079-3D9B76D2065A}" type="datetimeFigureOut">
               <a:rPr kumimoji="1" lang="ja-JP" altLang="en-US" smtClean="0"/>
-              <a:t>2024/6/20</a:t>
+              <a:t>2024/6/24</a:t>
             </a:fld>
             <a:endParaRPr kumimoji="1" lang="ja-JP" altLang="en-US"/>
           </a:p>
@@ -3087,7 +3119,7 @@
           <a:p>
             <a:fld id="{A9CC78A6-2670-4AF4-B079-3D9B76D2065A}" type="datetimeFigureOut">
               <a:rPr kumimoji="1" lang="ja-JP" altLang="en-US" smtClean="0"/>
-              <a:t>2024/6/20</a:t>
+              <a:t>2024/6/24</a:t>
             </a:fld>
             <a:endParaRPr kumimoji="1" lang="ja-JP" altLang="en-US"/>
           </a:p>
@@ -3200,7 +3232,7 @@
           <a:p>
             <a:fld id="{A9CC78A6-2670-4AF4-B079-3D9B76D2065A}" type="datetimeFigureOut">
               <a:rPr kumimoji="1" lang="ja-JP" altLang="en-US" smtClean="0"/>
-              <a:t>2024/6/20</a:t>
+              <a:t>2024/6/24</a:t>
             </a:fld>
             <a:endParaRPr kumimoji="1" lang="ja-JP" altLang="en-US"/>
           </a:p>
@@ -3543,7 +3575,7 @@
           <a:p>
             <a:fld id="{A9CC78A6-2670-4AF4-B079-3D9B76D2065A}" type="datetimeFigureOut">
               <a:rPr kumimoji="1" lang="ja-JP" altLang="en-US" smtClean="0"/>
-              <a:t>2024/6/20</a:t>
+              <a:t>2024/6/24</a:t>
             </a:fld>
             <a:endParaRPr kumimoji="1" lang="ja-JP" altLang="en-US"/>
           </a:p>
@@ -3831,7 +3863,7 @@
           <a:p>
             <a:fld id="{A9CC78A6-2670-4AF4-B079-3D9B76D2065A}" type="datetimeFigureOut">
               <a:rPr kumimoji="1" lang="ja-JP" altLang="en-US" smtClean="0"/>
-              <a:t>2024/6/20</a:t>
+              <a:t>2024/6/24</a:t>
             </a:fld>
             <a:endParaRPr kumimoji="1" lang="ja-JP" altLang="en-US"/>
           </a:p>
@@ -4104,7 +4136,7 @@
           <a:p>
             <a:fld id="{A9CC78A6-2670-4AF4-B079-3D9B76D2065A}" type="datetimeFigureOut">
               <a:rPr kumimoji="1" lang="ja-JP" altLang="en-US" smtClean="0"/>
-              <a:t>2024/6/20</a:t>
+              <a:t>2024/6/24</a:t>
             </a:fld>
             <a:endParaRPr kumimoji="1" lang="ja-JP" altLang="en-US"/>
           </a:p>
@@ -9189,6 +9221,92 @@
           <a:chExt cx="0" cy="0"/>
         </a:xfrm>
       </p:grpSpPr>
+      <p:sp>
+        <p:nvSpPr>
+          <p:cNvPr id="2" name="タイトル 1">
+            <a:extLst>
+              <a:ext uri="{FF2B5EF4-FFF2-40B4-BE49-F238E27FC236}">
+                <a16:creationId xmlns:a16="http://schemas.microsoft.com/office/drawing/2014/main" id="{2AA213FD-CAA2-4C88-BF52-641CE9A20C6E}"/>
+              </a:ext>
+            </a:extLst>
+          </p:cNvPr>
+          <p:cNvSpPr>
+            <a:spLocks noGrp="1"/>
+          </p:cNvSpPr>
+          <p:nvPr>
+            <p:ph type="title"/>
+          </p:nvPr>
+        </p:nvSpPr>
+        <p:spPr/>
+        <p:txBody>
+          <a:bodyPr/>
+          <a:lstStyle/>
+          <a:p>
+            <a:endParaRPr kumimoji="1" lang="ja-JP" altLang="en-US"/>
+          </a:p>
+        </p:txBody>
+      </p:sp>
+      <p:pic>
+        <p:nvPicPr>
+          <p:cNvPr id="4" name="コンテンツ プレースホルダー 3">
+            <a:extLst>
+              <a:ext uri="{FF2B5EF4-FFF2-40B4-BE49-F238E27FC236}">
+                <a16:creationId xmlns:a16="http://schemas.microsoft.com/office/drawing/2014/main" id="{5B6641EE-597F-E1E7-3F87-D6045E8088AE}"/>
+              </a:ext>
+            </a:extLst>
+          </p:cNvPr>
+          <p:cNvPicPr>
+            <a:picLocks noGrp="1" noChangeAspect="1"/>
+          </p:cNvPicPr>
+          <p:nvPr>
+            <p:ph idx="1"/>
+          </p:nvPr>
+        </p:nvPicPr>
+        <p:blipFill rotWithShape="1">
+          <a:blip r:embed="rId2"/>
+          <a:srcRect b="18021"/>
+          <a:stretch/>
+        </p:blipFill>
+        <p:spPr>
+          <a:xfrm>
+            <a:off x="655369" y="1850390"/>
+            <a:ext cx="4663342" cy="4351338"/>
+          </a:xfrm>
+          <a:prstGeom prst="rect">
+            <a:avLst/>
+          </a:prstGeom>
+        </p:spPr>
+      </p:pic>
+    </p:spTree>
+    <p:extLst>
+      <p:ext uri="{BB962C8B-B14F-4D97-AF65-F5344CB8AC3E}">
+        <p14:creationId xmlns:p14="http://schemas.microsoft.com/office/powerpoint/2010/main" val="1437063091"/>
+      </p:ext>
+    </p:extLst>
+  </p:cSld>
+  <p:clrMapOvr>
+    <a:masterClrMapping/>
+  </p:clrMapOvr>
+</p:sld>
+</file>
+
+<file path=ppt/slides/slide7.xml><?xml version="1.0" encoding="utf-8"?>
+<p:sld xmlns:a="http://schemas.openxmlformats.org/drawingml/2006/main" xmlns:r="http://schemas.openxmlformats.org/officeDocument/2006/relationships" xmlns:p="http://schemas.openxmlformats.org/presentationml/2006/main">
+  <p:cSld>
+    <p:spTree>
+      <p:nvGrpSpPr>
+        <p:cNvPr id="1" name=""/>
+        <p:cNvGrpSpPr/>
+        <p:nvPr/>
+      </p:nvGrpSpPr>
+      <p:grpSpPr>
+        <a:xfrm>
+          <a:off x="0" y="0"/>
+          <a:ext cx="0" cy="0"/>
+          <a:chOff x="0" y="0"/>
+          <a:chExt cx="0" cy="0"/>
+        </a:xfrm>
+      </p:grpSpPr>
       <p:pic>
         <p:nvPicPr>
           <p:cNvPr id="6" name="コンテンツ プレースホルダー 5">
@@ -9213,7 +9331,7 @@
         </p:blipFill>
         <p:spPr>
           <a:xfrm>
-            <a:off x="394299" y="1164431"/>
+            <a:off x="394299" y="1179671"/>
             <a:ext cx="3720501" cy="4351338"/>
           </a:xfrm>
         </p:spPr>
@@ -9850,7 +9968,7 @@
 </p:sld>
 </file>
 
-<file path=ppt/slides/slide7.xml><?xml version="1.0" encoding="utf-8"?>
+<file path=ppt/slides/slide8.xml><?xml version="1.0" encoding="utf-8"?>
 <p:sld xmlns:a="http://schemas.openxmlformats.org/drawingml/2006/main" xmlns:r="http://schemas.openxmlformats.org/officeDocument/2006/relationships" xmlns:p="http://schemas.openxmlformats.org/presentationml/2006/main">
   <p:cSld>
     <p:spTree>
@@ -10466,7 +10584,7 @@
 </p:sld>
 </file>
 
-<file path=ppt/slides/slide8.xml><?xml version="1.0" encoding="utf-8"?>
+<file path=ppt/slides/slide9.xml><?xml version="1.0" encoding="utf-8"?>
 <p:sld xmlns:a="http://schemas.openxmlformats.org/drawingml/2006/main" xmlns:r="http://schemas.openxmlformats.org/officeDocument/2006/relationships" xmlns:p="http://schemas.openxmlformats.org/presentationml/2006/main">
   <p:cSld>
     <p:spTree>
